--- a/slides/eXXcellent workshop 2019_transferLearning.pptx
+++ b/slides/eXXcellent workshop 2019_transferLearning.pptx
@@ -1578,7 +1578,7 @@
           <a:graphicData uri="http://schemas.openxmlformats.org/presentationml/2006/ole">
             <mc:AlternateContent xmlns:mc="http://schemas.openxmlformats.org/markup-compatibility/2006">
               <mc:Choice xmlns:v="urn:schemas-microsoft-com:vml" Requires="v">
-                <p:oleObj spid="_x0000_s2384" name="think-cell Folie" r:id="rId5" imgW="270" imgH="270" progId="TCLayout.ActiveDocument.1">
+                <p:oleObj spid="_x0000_s2385" name="think-cell Folie" r:id="rId5" imgW="270" imgH="270" progId="TCLayout.ActiveDocument.1">
                   <p:embed/>
                 </p:oleObj>
               </mc:Choice>
@@ -6119,7 +6119,7 @@
           <a:graphicData uri="http://schemas.openxmlformats.org/presentationml/2006/ole">
             <mc:AlternateContent xmlns:mc="http://schemas.openxmlformats.org/markup-compatibility/2006">
               <mc:Choice xmlns:v="urn:schemas-microsoft-com:vml" Requires="v">
-                <p:oleObj spid="_x0000_s1374" name="think-cell Folie" r:id="rId18" imgW="270" imgH="270" progId="TCLayout.ActiveDocument.1">
+                <p:oleObj spid="_x0000_s1375" name="think-cell Folie" r:id="rId18" imgW="270" imgH="270" progId="TCLayout.ActiveDocument.1">
                   <p:embed/>
                 </p:oleObj>
               </mc:Choice>
@@ -6853,7 +6853,7 @@
           <a:graphicData uri="http://schemas.openxmlformats.org/presentationml/2006/ole">
             <mc:AlternateContent xmlns:mc="http://schemas.openxmlformats.org/markup-compatibility/2006">
               <mc:Choice xmlns:v="urn:schemas-microsoft-com:vml" Requires="v">
-                <p:oleObj spid="_x0000_s50206" name="think-cell Folie" r:id="rId5" imgW="473" imgH="468" progId="TCLayout.ActiveDocument.1">
+                <p:oleObj spid="_x0000_s50207" name="think-cell Folie" r:id="rId5" imgW="473" imgH="468" progId="TCLayout.ActiveDocument.1">
                   <p:embed/>
                 </p:oleObj>
               </mc:Choice>
@@ -6997,41 +6997,18 @@
       </p:grpSpPr>
       <p:sp>
         <p:nvSpPr>
-          <p:cNvPr id="6" name="Titel 5"/>
-          <p:cNvSpPr>
-            <a:spLocks noGrp="1"/>
-          </p:cNvSpPr>
-          <p:nvPr>
-            <p:ph type="title"/>
-          </p:nvPr>
-        </p:nvSpPr>
-        <p:spPr/>
-        <p:txBody>
-          <a:bodyPr/>
-          <a:lstStyle/>
-          <a:p>
-            <a:r>
-              <a:rPr lang="de-DE" dirty="0" smtClean="0"/>
-              <a:t>Transfer Learning</a:t>
-            </a:r>
-            <a:endParaRPr lang="de-DE" dirty="0"/>
-          </a:p>
-        </p:txBody>
-      </p:sp>
-      <p:sp>
-        <p:nvSpPr>
           <p:cNvPr id="2" name="Inhaltsplatzhalter 1"/>
           <p:cNvSpPr>
             <a:spLocks noGrp="1"/>
           </p:cNvSpPr>
           <p:nvPr>
-            <p:ph idx="1"/>
-          </p:nvPr>
-        </p:nvSpPr>
-        <p:spPr>
-          <a:xfrm>
-            <a:off x="7757651" y="1486800"/>
-            <a:ext cx="3810957" cy="4029763"/>
+            <p:ph sz="half" idx="1"/>
+          </p:nvPr>
+        </p:nvSpPr>
+        <p:spPr>
+          <a:xfrm>
+            <a:off x="630000" y="5471648"/>
+            <a:ext cx="5364000" cy="797079"/>
           </a:xfrm>
         </p:spPr>
         <p:txBody>
@@ -7050,13 +7027,34 @@
           <a:p>
             <a:endParaRPr lang="de-DE" dirty="0" smtClean="0"/>
           </a:p>
+        </p:txBody>
+      </p:sp>
+      <p:sp>
+        <p:nvSpPr>
+          <p:cNvPr id="4" name="Inhaltsplatzhalter 3"/>
+          <p:cNvSpPr>
+            <a:spLocks noGrp="1"/>
+          </p:cNvSpPr>
+          <p:nvPr>
+            <p:ph sz="half" idx="2"/>
+          </p:nvPr>
+        </p:nvSpPr>
+        <p:spPr>
+          <a:xfrm>
+            <a:off x="6204113" y="5471648"/>
+            <a:ext cx="5364000" cy="797079"/>
+          </a:xfrm>
+        </p:spPr>
+        <p:txBody>
+          <a:bodyPr/>
+          <a:lstStyle/>
           <a:p>
             <a:pPr marL="285750" indent="-285750">
               <a:buFont typeface="Arial" panose="020B0604020202020204" pitchFamily="34" charset="0"/>
               <a:buChar char="•"/>
             </a:pPr>
             <a:r>
-              <a:rPr lang="de-DE" dirty="0" smtClean="0"/>
+              <a:rPr lang="de-DE" dirty="0"/>
               <a:t>Die Labels sind hierarchisch zugeordnet:</a:t>
             </a:r>
           </a:p>
@@ -7066,49 +7064,40 @@
               <a:buChar char="•"/>
             </a:pPr>
             <a:r>
-              <a:rPr lang="de-DE" dirty="0" err="1" smtClean="0"/>
+              <a:rPr lang="de-DE" dirty="0" err="1"/>
               <a:t>Cock</a:t>
             </a:r>
             <a:r>
-              <a:rPr lang="de-DE" dirty="0" smtClean="0"/>
+              <a:rPr lang="de-DE" dirty="0"/>
               <a:t> – Bird – </a:t>
             </a:r>
             <a:r>
-              <a:rPr lang="de-DE" dirty="0" err="1" smtClean="0"/>
+              <a:rPr lang="de-DE" dirty="0" err="1"/>
               <a:t>Mammal</a:t>
             </a:r>
             <a:r>
-              <a:rPr lang="de-DE" dirty="0" smtClean="0"/>
+              <a:rPr lang="de-DE" dirty="0"/>
               <a:t> – </a:t>
             </a:r>
             <a:r>
-              <a:rPr lang="de-DE" dirty="0" err="1" smtClean="0"/>
+              <a:rPr lang="de-DE" dirty="0" err="1"/>
               <a:t>Vertebrate</a:t>
             </a:r>
             <a:r>
-              <a:rPr lang="de-DE" dirty="0" smtClean="0"/>
-              <a:t> – </a:t>
-            </a:r>
-            <a:r>
               <a:rPr lang="de-DE" dirty="0"/>
-              <a:t>C</a:t>
-            </a:r>
-            <a:r>
-              <a:rPr lang="de-DE" dirty="0" smtClean="0"/>
-              <a:t>hordate – </a:t>
+              <a:t> – Chordate – </a:t>
             </a:r>
             <a:r>
               <a:rPr lang="de-DE" dirty="0" err="1"/>
-              <a:t>A</a:t>
-            </a:r>
-            <a:r>
-              <a:rPr lang="de-DE" dirty="0" err="1" smtClean="0"/>
-              <a:t>nimal</a:t>
-            </a:r>
-            <a:r>
-              <a:rPr lang="de-DE" dirty="0" smtClean="0"/>
+              <a:t>Animal</a:t>
+            </a:r>
+            <a:r>
+              <a:rPr lang="de-DE" dirty="0"/>
               <a:t> </a:t>
             </a:r>
+          </a:p>
+          <a:p>
+            <a:endParaRPr lang="de-DE" dirty="0"/>
           </a:p>
         </p:txBody>
       </p:sp>
@@ -7138,6 +7127,29 @@
       </p:sp>
       <p:sp>
         <p:nvSpPr>
+          <p:cNvPr id="6" name="Titel 5"/>
+          <p:cNvSpPr>
+            <a:spLocks noGrp="1"/>
+          </p:cNvSpPr>
+          <p:nvPr>
+            <p:ph type="title"/>
+          </p:nvPr>
+        </p:nvSpPr>
+        <p:spPr/>
+        <p:txBody>
+          <a:bodyPr/>
+          <a:lstStyle/>
+          <a:p>
+            <a:r>
+              <a:rPr lang="de-DE" dirty="0" smtClean="0"/>
+              <a:t>Transfer Learning</a:t>
+            </a:r>
+            <a:endParaRPr lang="de-DE" dirty="0"/>
+          </a:p>
+        </p:txBody>
+      </p:sp>
+      <p:sp>
+        <p:nvSpPr>
           <p:cNvPr id="7" name="Textplatzhalter 6"/>
           <p:cNvSpPr>
             <a:spLocks noGrp="1"/>
@@ -7165,7 +7177,7 @@
       </p:sp>
       <p:pic>
         <p:nvPicPr>
-          <p:cNvPr id="9" name="Grafik 8"/>
+          <p:cNvPr id="10" name="Grafik 9"/>
           <p:cNvPicPr>
             <a:picLocks noChangeAspect="1"/>
           </p:cNvPicPr>
@@ -7179,30 +7191,6 @@
         </p:blipFill>
         <p:spPr>
           <a:xfrm>
-            <a:off x="1097279" y="1336816"/>
-            <a:ext cx="6431280" cy="4427819"/>
-          </a:xfrm>
-          <a:prstGeom prst="rect">
-            <a:avLst/>
-          </a:prstGeom>
-        </p:spPr>
-      </p:pic>
-      <p:pic>
-        <p:nvPicPr>
-          <p:cNvPr id="10" name="Grafik 9"/>
-          <p:cNvPicPr>
-            <a:picLocks noChangeAspect="1"/>
-          </p:cNvPicPr>
-          <p:nvPr/>
-        </p:nvPicPr>
-        <p:blipFill>
-          <a:blip r:embed="rId4"/>
-          <a:stretch>
-            <a:fillRect/>
-          </a:stretch>
-        </p:blipFill>
-        <p:spPr>
-          <a:xfrm>
             <a:off x="8692058" y="368300"/>
             <a:ext cx="2876550" cy="609600"/>
           </a:xfrm>
@@ -7243,7 +7231,7 @@
             </a:pPr>
             <a:r>
               <a:rPr lang="de-DE" sz="1100" dirty="0">
-                <a:hlinkClick r:id="rId5"/>
+                <a:hlinkClick r:id="rId4"/>
               </a:rPr>
               <a:t>http://www.image-net.org/</a:t>
             </a:r>
@@ -7260,7 +7248,7 @@
           <p:nvPr/>
         </p:nvPicPr>
         <p:blipFill rotWithShape="1">
-          <a:blip r:embed="rId6">
+          <a:blip r:embed="rId5" cstate="screen">
             <a:clrChange>
               <a:clrFrom>
                 <a:srgbClr val="FFFFFF"/>
@@ -7282,8 +7270,8 @@
         </p:blipFill>
         <p:spPr bwMode="auto">
           <a:xfrm>
-            <a:off x="9003497" y="3818771"/>
-            <a:ext cx="1319263" cy="1298412"/>
+            <a:off x="5492035" y="5471648"/>
+            <a:ext cx="1003929" cy="988062"/>
           </a:xfrm>
           <a:prstGeom prst="rect">
             <a:avLst/>
@@ -7300,6 +7288,30 @@
           </a:extLst>
         </p:spPr>
       </p:pic>
+      <p:pic>
+        <p:nvPicPr>
+          <p:cNvPr id="3" name="Grafik 2"/>
+          <p:cNvPicPr>
+            <a:picLocks noChangeAspect="1"/>
+          </p:cNvPicPr>
+          <p:nvPr/>
+        </p:nvPicPr>
+        <p:blipFill>
+          <a:blip r:embed="rId6"/>
+          <a:stretch>
+            <a:fillRect/>
+          </a:stretch>
+        </p:blipFill>
+        <p:spPr>
+          <a:xfrm>
+            <a:off x="1177334" y="1453570"/>
+            <a:ext cx="9633329" cy="3617020"/>
+          </a:xfrm>
+          <a:prstGeom prst="rect">
+            <a:avLst/>
+          </a:prstGeom>
+        </p:spPr>
+      </p:pic>
     </p:spTree>
     <p:extLst>
       <p:ext uri="{BB962C8B-B14F-4D97-AF65-F5344CB8AC3E}">
@@ -7310,6 +7322,13 @@
   <p:clrMapOvr>
     <a:masterClrMapping/>
   </p:clrMapOvr>
+  <p:timing>
+    <p:tnLst>
+      <p:par>
+        <p:cTn id="1" dur="indefinite" restart="never" nodeType="tmRoot"/>
+      </p:par>
+    </p:tnLst>
+  </p:timing>
 </p:sld>
 </file>
 
@@ -7680,16 +7699,24 @@
               <a:t>Die Netzt lernt </a:t>
             </a:r>
             <a:r>
+              <a:rPr lang="de-DE" dirty="0" err="1"/>
+              <a:t>b</a:t>
+            </a:r>
+            <a:r>
               <a:rPr lang="de-DE" dirty="0" err="1" smtClean="0"/>
-              <a:t>basis</a:t>
+              <a:t>asis</a:t>
             </a:r>
             <a:r>
               <a:rPr lang="de-DE" dirty="0" smtClean="0"/>
               <a:t> </a:t>
             </a:r>
             <a:r>
-              <a:rPr lang="de-DE" dirty="0" err="1" smtClean="0"/>
-              <a:t>features</a:t>
+              <a:rPr lang="de-DE" dirty="0"/>
+              <a:t>F</a:t>
+            </a:r>
+            <a:r>
+              <a:rPr lang="de-DE" dirty="0" smtClean="0"/>
+              <a:t>eatures</a:t>
             </a:r>
             <a:endParaRPr lang="de-DE" dirty="0" smtClean="0"/>
           </a:p>
@@ -7698,17 +7725,33 @@
               <a:buFont typeface="Arial" panose="020B0604020202020204" pitchFamily="34" charset="0"/>
               <a:buChar char="•"/>
             </a:pPr>
+            <a:endParaRPr lang="de-DE" dirty="0" smtClean="0"/>
+          </a:p>
+          <a:p>
+            <a:pPr marL="285750" indent="-285750">
+              <a:buFont typeface="Arial" panose="020B0604020202020204" pitchFamily="34" charset="0"/>
+              <a:buChar char="•"/>
+            </a:pPr>
             <a:r>
               <a:rPr lang="de-DE" dirty="0" smtClean="0"/>
-              <a:t>Die letzten Schichten auf den gewünschte </a:t>
-            </a:r>
-            <a:r>
-              <a:rPr lang="de-DE" dirty="0" err="1" smtClean="0"/>
-              <a:t>Datensatzt</a:t>
-            </a:r>
+              <a:t>Die gewichte auf das gewünschte Netz übernehmen</a:t>
+            </a:r>
+          </a:p>
+          <a:p>
+            <a:pPr marL="285750" indent="-285750">
+              <a:buFont typeface="Arial" panose="020B0604020202020204" pitchFamily="34" charset="0"/>
+              <a:buChar char="•"/>
+            </a:pPr>
+            <a:endParaRPr lang="de-DE" dirty="0" smtClean="0"/>
+          </a:p>
+          <a:p>
+            <a:pPr marL="285750" indent="-285750">
+              <a:buFont typeface="Arial" panose="020B0604020202020204" pitchFamily="34" charset="0"/>
+              <a:buChar char="•"/>
+            </a:pPr>
             <a:r>
               <a:rPr lang="de-DE" dirty="0" smtClean="0"/>
-              <a:t> trainieren</a:t>
+              <a:t>Die letzten Schichten von dem gewünschten Netzt wieder trainieren</a:t>
             </a:r>
             <a:endParaRPr lang="de-DE" dirty="0" smtClean="0"/>
           </a:p>
@@ -7724,6 +7767,13 @@
   <p:clrMapOvr>
     <a:masterClrMapping/>
   </p:clrMapOvr>
+  <p:timing>
+    <p:tnLst>
+      <p:par>
+        <p:cTn id="1" dur="indefinite" restart="never" nodeType="tmRoot"/>
+      </p:par>
+    </p:tnLst>
+  </p:timing>
 </p:sld>
 </file>
 
@@ -7764,7 +7814,7 @@
           <a:graphicData uri="http://schemas.openxmlformats.org/presentationml/2006/ole">
             <mc:AlternateContent xmlns:mc="http://schemas.openxmlformats.org/markup-compatibility/2006">
               <mc:Choice xmlns:v="urn:schemas-microsoft-com:vml" Requires="v">
-                <p:oleObj spid="_x0000_s68623" name="think-cell Folie" r:id="rId4" imgW="473" imgH="468" progId="TCLayout.ActiveDocument.1">
+                <p:oleObj spid="_x0000_s68624" name="think-cell Folie" r:id="rId4" imgW="473" imgH="468" progId="TCLayout.ActiveDocument.1">
                   <p:embed/>
                 </p:oleObj>
               </mc:Choice>
